--- a/2_ADF/PPT/2_Activities/2_Data Transformation Activities/1_Data Flow/4_Row modifier/2_Sort/1_Sort.pptx
+++ b/2_ADF/PPT/2_Activities/2_Data Transformation Activities/1_Data Flow/4_Row modifier/2_Sort/1_Sort.pptx
@@ -6,6 +6,12 @@
   </p:sldMasterIdLst>
   <p:sldIdLst>
     <p:sldId id="256" r:id="rId2"/>
+    <p:sldId id="257" r:id="rId3"/>
+    <p:sldId id="258" r:id="rId4"/>
+    <p:sldId id="259" r:id="rId5"/>
+    <p:sldId id="260" r:id="rId6"/>
+    <p:sldId id="261" r:id="rId7"/>
+    <p:sldId id="262" r:id="rId8"/>
   </p:sldIdLst>
   <p:sldSz cx="12192000" cy="6858000"/>
   <p:notesSz cx="6858000" cy="9144000"/>
@@ -104,6 +110,11 @@
       </a:defRPr>
     </a:lvl9pPr>
   </p:defaultTextStyle>
+  <p:extLst>
+    <p:ext uri="{EFAFB233-063F-42B5-8137-9DF3F51BA10A}">
+      <p15:sldGuideLst xmlns:p15="http://schemas.microsoft.com/office/powerpoint/2012/main"/>
+    </p:ext>
+  </p:extLst>
 </p:presentation>
 </file>
 
@@ -256,7 +267,7 @@
           <a:p>
             <a:fld id="{E49C8D20-4593-414F-919E-14A141A98948}" type="datetimeFigureOut">
               <a:rPr lang="en-IN" smtClean="0"/>
-              <a:t>19-02-2023</a:t>
+              <a:t>21-02-2023</a:t>
             </a:fld>
             <a:endParaRPr lang="en-IN"/>
           </a:p>
@@ -456,7 +467,7 @@
           <a:p>
             <a:fld id="{E49C8D20-4593-414F-919E-14A141A98948}" type="datetimeFigureOut">
               <a:rPr lang="en-IN" smtClean="0"/>
-              <a:t>19-02-2023</a:t>
+              <a:t>21-02-2023</a:t>
             </a:fld>
             <a:endParaRPr lang="en-IN"/>
           </a:p>
@@ -666,7 +677,7 @@
           <a:p>
             <a:fld id="{E49C8D20-4593-414F-919E-14A141A98948}" type="datetimeFigureOut">
               <a:rPr lang="en-IN" smtClean="0"/>
-              <a:t>19-02-2023</a:t>
+              <a:t>21-02-2023</a:t>
             </a:fld>
             <a:endParaRPr lang="en-IN"/>
           </a:p>
@@ -866,7 +877,7 @@
           <a:p>
             <a:fld id="{E49C8D20-4593-414F-919E-14A141A98948}" type="datetimeFigureOut">
               <a:rPr lang="en-IN" smtClean="0"/>
-              <a:t>19-02-2023</a:t>
+              <a:t>21-02-2023</a:t>
             </a:fld>
             <a:endParaRPr lang="en-IN"/>
           </a:p>
@@ -1142,7 +1153,7 @@
           <a:p>
             <a:fld id="{E49C8D20-4593-414F-919E-14A141A98948}" type="datetimeFigureOut">
               <a:rPr lang="en-IN" smtClean="0"/>
-              <a:t>19-02-2023</a:t>
+              <a:t>21-02-2023</a:t>
             </a:fld>
             <a:endParaRPr lang="en-IN"/>
           </a:p>
@@ -1410,7 +1421,7 @@
           <a:p>
             <a:fld id="{E49C8D20-4593-414F-919E-14A141A98948}" type="datetimeFigureOut">
               <a:rPr lang="en-IN" smtClean="0"/>
-              <a:t>19-02-2023</a:t>
+              <a:t>21-02-2023</a:t>
             </a:fld>
             <a:endParaRPr lang="en-IN"/>
           </a:p>
@@ -1825,7 +1836,7 @@
           <a:p>
             <a:fld id="{E49C8D20-4593-414F-919E-14A141A98948}" type="datetimeFigureOut">
               <a:rPr lang="en-IN" smtClean="0"/>
-              <a:t>19-02-2023</a:t>
+              <a:t>21-02-2023</a:t>
             </a:fld>
             <a:endParaRPr lang="en-IN"/>
           </a:p>
@@ -1967,7 +1978,7 @@
           <a:p>
             <a:fld id="{E49C8D20-4593-414F-919E-14A141A98948}" type="datetimeFigureOut">
               <a:rPr lang="en-IN" smtClean="0"/>
-              <a:t>19-02-2023</a:t>
+              <a:t>21-02-2023</a:t>
             </a:fld>
             <a:endParaRPr lang="en-IN"/>
           </a:p>
@@ -2080,7 +2091,7 @@
           <a:p>
             <a:fld id="{E49C8D20-4593-414F-919E-14A141A98948}" type="datetimeFigureOut">
               <a:rPr lang="en-IN" smtClean="0"/>
-              <a:t>19-02-2023</a:t>
+              <a:t>21-02-2023</a:t>
             </a:fld>
             <a:endParaRPr lang="en-IN"/>
           </a:p>
@@ -2393,7 +2404,7 @@
           <a:p>
             <a:fld id="{E49C8D20-4593-414F-919E-14A141A98948}" type="datetimeFigureOut">
               <a:rPr lang="en-IN" smtClean="0"/>
-              <a:t>19-02-2023</a:t>
+              <a:t>21-02-2023</a:t>
             </a:fld>
             <a:endParaRPr lang="en-IN"/>
           </a:p>
@@ -2682,7 +2693,7 @@
           <a:p>
             <a:fld id="{E49C8D20-4593-414F-919E-14A141A98948}" type="datetimeFigureOut">
               <a:rPr lang="en-IN" smtClean="0"/>
-              <a:t>19-02-2023</a:t>
+              <a:t>21-02-2023</a:t>
             </a:fld>
             <a:endParaRPr lang="en-IN"/>
           </a:p>
@@ -2925,7 +2936,7 @@
           <a:p>
             <a:fld id="{E49C8D20-4593-414F-919E-14A141A98948}" type="datetimeFigureOut">
               <a:rPr lang="en-IN" smtClean="0"/>
-              <a:t>19-02-2023</a:t>
+              <a:t>21-02-2023</a:t>
             </a:fld>
             <a:endParaRPr lang="en-IN"/>
           </a:p>
@@ -3342,10 +3353,910 @@
           <a:chExt cx="0" cy="0"/>
         </a:xfrm>
       </p:grpSpPr>
+      <p:pic>
+        <p:nvPicPr>
+          <p:cNvPr id="3" name="Picture 2">
+            <a:extLst>
+              <a:ext uri="{FF2B5EF4-FFF2-40B4-BE49-F238E27FC236}">
+                <a16:creationId xmlns:a16="http://schemas.microsoft.com/office/drawing/2014/main" id="{A38FE27C-A6E1-4F96-9BA4-8A7A6B3EA188}"/>
+              </a:ext>
+            </a:extLst>
+          </p:cNvPr>
+          <p:cNvPicPr>
+            <a:picLocks noChangeAspect="1"/>
+          </p:cNvPicPr>
+          <p:nvPr/>
+        </p:nvPicPr>
+        <p:blipFill>
+          <a:blip r:embed="rId2"/>
+          <a:stretch>
+            <a:fillRect/>
+          </a:stretch>
+        </p:blipFill>
+        <p:spPr>
+          <a:xfrm>
+            <a:off x="181604" y="163543"/>
+            <a:ext cx="5665654" cy="1237240"/>
+          </a:xfrm>
+          <a:prstGeom prst="rect">
+            <a:avLst/>
+          </a:prstGeom>
+        </p:spPr>
+      </p:pic>
     </p:spTree>
     <p:extLst>
       <p:ext uri="{BB962C8B-B14F-4D97-AF65-F5344CB8AC3E}">
         <p14:creationId xmlns:p14="http://schemas.microsoft.com/office/powerpoint/2010/main" val="623266018"/>
+      </p:ext>
+    </p:extLst>
+  </p:cSld>
+  <p:clrMapOvr>
+    <a:masterClrMapping/>
+  </p:clrMapOvr>
+</p:sld>
+</file>
+
+<file path=ppt/slides/slide2.xml><?xml version="1.0" encoding="utf-8"?>
+<p:sld xmlns:a="http://schemas.openxmlformats.org/drawingml/2006/main" xmlns:r="http://schemas.openxmlformats.org/officeDocument/2006/relationships" xmlns:p="http://schemas.openxmlformats.org/presentationml/2006/main">
+  <p:cSld>
+    <p:spTree>
+      <p:nvGrpSpPr>
+        <p:cNvPr id="1" name=""/>
+        <p:cNvGrpSpPr/>
+        <p:nvPr/>
+      </p:nvGrpSpPr>
+      <p:grpSpPr>
+        <a:xfrm>
+          <a:off x="0" y="0"/>
+          <a:ext cx="0" cy="0"/>
+          <a:chOff x="0" y="0"/>
+          <a:chExt cx="0" cy="0"/>
+        </a:xfrm>
+      </p:grpSpPr>
+      <p:pic>
+        <p:nvPicPr>
+          <p:cNvPr id="3" name="Picture 2">
+            <a:extLst>
+              <a:ext uri="{FF2B5EF4-FFF2-40B4-BE49-F238E27FC236}">
+                <a16:creationId xmlns:a16="http://schemas.microsoft.com/office/drawing/2014/main" id="{D452BC80-A9C4-48CF-802C-302713D47D24}"/>
+              </a:ext>
+            </a:extLst>
+          </p:cNvPr>
+          <p:cNvPicPr>
+            <a:picLocks noChangeAspect="1"/>
+          </p:cNvPicPr>
+          <p:nvPr/>
+        </p:nvPicPr>
+        <p:blipFill rotWithShape="1">
+          <a:blip r:embed="rId2"/>
+          <a:srcRect l="47746" t="30315" r="28119" b="20629"/>
+          <a:stretch/>
+        </p:blipFill>
+        <p:spPr>
+          <a:xfrm>
+            <a:off x="203913" y="207216"/>
+            <a:ext cx="3755244" cy="4770502"/>
+          </a:xfrm>
+          <a:prstGeom prst="rect">
+            <a:avLst/>
+          </a:prstGeom>
+          <a:ln w="15875">
+            <a:solidFill>
+              <a:schemeClr val="tx1"/>
+            </a:solidFill>
+          </a:ln>
+        </p:spPr>
+      </p:pic>
+    </p:spTree>
+    <p:extLst>
+      <p:ext uri="{BB962C8B-B14F-4D97-AF65-F5344CB8AC3E}">
+        <p14:creationId xmlns:p14="http://schemas.microsoft.com/office/powerpoint/2010/main" val="1767142511"/>
+      </p:ext>
+    </p:extLst>
+  </p:cSld>
+  <p:clrMapOvr>
+    <a:masterClrMapping/>
+  </p:clrMapOvr>
+</p:sld>
+</file>
+
+<file path=ppt/slides/slide3.xml><?xml version="1.0" encoding="utf-8"?>
+<p:sld xmlns:a="http://schemas.openxmlformats.org/drawingml/2006/main" xmlns:r="http://schemas.openxmlformats.org/officeDocument/2006/relationships" xmlns:p="http://schemas.openxmlformats.org/presentationml/2006/main">
+  <p:cSld>
+    <p:spTree>
+      <p:nvGrpSpPr>
+        <p:cNvPr id="1" name=""/>
+        <p:cNvGrpSpPr/>
+        <p:nvPr/>
+      </p:nvGrpSpPr>
+      <p:grpSpPr>
+        <a:xfrm>
+          <a:off x="0" y="0"/>
+          <a:ext cx="0" cy="0"/>
+          <a:chOff x="0" y="0"/>
+          <a:chExt cx="0" cy="0"/>
+        </a:xfrm>
+      </p:grpSpPr>
+      <p:pic>
+        <p:nvPicPr>
+          <p:cNvPr id="2" name="Picture 1">
+            <a:extLst>
+              <a:ext uri="{FF2B5EF4-FFF2-40B4-BE49-F238E27FC236}">
+                <a16:creationId xmlns:a16="http://schemas.microsoft.com/office/drawing/2014/main" id="{B16740E2-641D-4F99-8CA4-D822A6EBC858}"/>
+              </a:ext>
+            </a:extLst>
+          </p:cNvPr>
+          <p:cNvPicPr>
+            <a:picLocks noChangeAspect="1"/>
+          </p:cNvPicPr>
+          <p:nvPr/>
+        </p:nvPicPr>
+        <p:blipFill rotWithShape="1">
+          <a:blip r:embed="rId2"/>
+          <a:srcRect l="20242" t="18865" r="14864" b="28936"/>
+          <a:stretch/>
+        </p:blipFill>
+        <p:spPr>
+          <a:xfrm>
+            <a:off x="204280" y="184825"/>
+            <a:ext cx="9249104" cy="4649821"/>
+          </a:xfrm>
+          <a:prstGeom prst="rect">
+            <a:avLst/>
+          </a:prstGeom>
+          <a:ln w="15875">
+            <a:solidFill>
+              <a:schemeClr val="tx1"/>
+            </a:solidFill>
+          </a:ln>
+        </p:spPr>
+      </p:pic>
+      <p:sp>
+        <p:nvSpPr>
+          <p:cNvPr id="3" name="Rectangle 2">
+            <a:extLst>
+              <a:ext uri="{FF2B5EF4-FFF2-40B4-BE49-F238E27FC236}">
+                <a16:creationId xmlns:a16="http://schemas.microsoft.com/office/drawing/2014/main" id="{D7B9DE12-6D56-42C2-8E0D-4186259E74DD}"/>
+              </a:ext>
+            </a:extLst>
+          </p:cNvPr>
+          <p:cNvSpPr/>
+          <p:nvPr/>
+        </p:nvSpPr>
+        <p:spPr>
+          <a:xfrm>
+            <a:off x="1984443" y="4552545"/>
+            <a:ext cx="754173" cy="204281"/>
+          </a:xfrm>
+          <a:prstGeom prst="rect">
+            <a:avLst/>
+          </a:prstGeom>
+          <a:noFill/>
+          <a:ln w="25400">
+            <a:solidFill>
+              <a:srgbClr val="FF0000"/>
+            </a:solidFill>
+          </a:ln>
+        </p:spPr>
+        <p:style>
+          <a:lnRef idx="2">
+            <a:schemeClr val="accent1">
+              <a:shade val="50000"/>
+            </a:schemeClr>
+          </a:lnRef>
+          <a:fillRef idx="1">
+            <a:schemeClr val="accent1"/>
+          </a:fillRef>
+          <a:effectRef idx="0">
+            <a:schemeClr val="accent1"/>
+          </a:effectRef>
+          <a:fontRef idx="minor">
+            <a:schemeClr val="lt1"/>
+          </a:fontRef>
+        </p:style>
+        <p:txBody>
+          <a:bodyPr rtlCol="0" anchor="ctr"/>
+          <a:lstStyle/>
+          <a:p>
+            <a:pPr algn="ctr"/>
+            <a:endParaRPr lang="en-IN"/>
+          </a:p>
+        </p:txBody>
+      </p:sp>
+      <p:sp>
+        <p:nvSpPr>
+          <p:cNvPr id="5" name="Rectangle 4">
+            <a:extLst>
+              <a:ext uri="{FF2B5EF4-FFF2-40B4-BE49-F238E27FC236}">
+                <a16:creationId xmlns:a16="http://schemas.microsoft.com/office/drawing/2014/main" id="{A99CB7C4-110B-4BF8-AD2C-D502E464D1DF}"/>
+              </a:ext>
+            </a:extLst>
+          </p:cNvPr>
+          <p:cNvSpPr/>
+          <p:nvPr/>
+        </p:nvSpPr>
+        <p:spPr>
+          <a:xfrm>
+            <a:off x="5084324" y="4549303"/>
+            <a:ext cx="754173" cy="204281"/>
+          </a:xfrm>
+          <a:prstGeom prst="rect">
+            <a:avLst/>
+          </a:prstGeom>
+          <a:noFill/>
+          <a:ln w="25400">
+            <a:solidFill>
+              <a:srgbClr val="FF0000"/>
+            </a:solidFill>
+          </a:ln>
+        </p:spPr>
+        <p:style>
+          <a:lnRef idx="2">
+            <a:schemeClr val="accent1">
+              <a:shade val="50000"/>
+            </a:schemeClr>
+          </a:lnRef>
+          <a:fillRef idx="1">
+            <a:schemeClr val="accent1"/>
+          </a:fillRef>
+          <a:effectRef idx="0">
+            <a:schemeClr val="accent1"/>
+          </a:effectRef>
+          <a:fontRef idx="minor">
+            <a:schemeClr val="lt1"/>
+          </a:fontRef>
+        </p:style>
+        <p:txBody>
+          <a:bodyPr rtlCol="0" anchor="ctr"/>
+          <a:lstStyle/>
+          <a:p>
+            <a:pPr algn="ctr"/>
+            <a:endParaRPr lang="en-IN"/>
+          </a:p>
+        </p:txBody>
+      </p:sp>
+      <p:sp>
+        <p:nvSpPr>
+          <p:cNvPr id="6" name="Rectangle 5">
+            <a:extLst>
+              <a:ext uri="{FF2B5EF4-FFF2-40B4-BE49-F238E27FC236}">
+                <a16:creationId xmlns:a16="http://schemas.microsoft.com/office/drawing/2014/main" id="{6CF078E4-092D-4E99-97B4-1589EF852CB2}"/>
+              </a:ext>
+            </a:extLst>
+          </p:cNvPr>
+          <p:cNvSpPr/>
+          <p:nvPr/>
+        </p:nvSpPr>
+        <p:spPr>
+          <a:xfrm>
+            <a:off x="8213390" y="4319081"/>
+            <a:ext cx="677692" cy="515565"/>
+          </a:xfrm>
+          <a:prstGeom prst="rect">
+            <a:avLst/>
+          </a:prstGeom>
+          <a:noFill/>
+          <a:ln w="25400">
+            <a:solidFill>
+              <a:srgbClr val="FF0000"/>
+            </a:solidFill>
+          </a:ln>
+        </p:spPr>
+        <p:style>
+          <a:lnRef idx="2">
+            <a:schemeClr val="accent1">
+              <a:shade val="50000"/>
+            </a:schemeClr>
+          </a:lnRef>
+          <a:fillRef idx="1">
+            <a:schemeClr val="accent1"/>
+          </a:fillRef>
+          <a:effectRef idx="0">
+            <a:schemeClr val="accent1"/>
+          </a:effectRef>
+          <a:fontRef idx="minor">
+            <a:schemeClr val="lt1"/>
+          </a:fontRef>
+        </p:style>
+        <p:txBody>
+          <a:bodyPr rtlCol="0" anchor="ctr"/>
+          <a:lstStyle/>
+          <a:p>
+            <a:pPr algn="ctr"/>
+            <a:endParaRPr lang="en-IN"/>
+          </a:p>
+        </p:txBody>
+      </p:sp>
+      <p:sp>
+        <p:nvSpPr>
+          <p:cNvPr id="7" name="Rectangle 6">
+            <a:extLst>
+              <a:ext uri="{FF2B5EF4-FFF2-40B4-BE49-F238E27FC236}">
+                <a16:creationId xmlns:a16="http://schemas.microsoft.com/office/drawing/2014/main" id="{4F8001AE-DE48-459A-91CA-B6B6926F3704}"/>
+              </a:ext>
+            </a:extLst>
+          </p:cNvPr>
+          <p:cNvSpPr/>
+          <p:nvPr/>
+        </p:nvSpPr>
+        <p:spPr>
+          <a:xfrm>
+            <a:off x="1984442" y="3458184"/>
+            <a:ext cx="754173" cy="204281"/>
+          </a:xfrm>
+          <a:prstGeom prst="rect">
+            <a:avLst/>
+          </a:prstGeom>
+          <a:noFill/>
+          <a:ln w="25400">
+            <a:solidFill>
+              <a:srgbClr val="FF0000"/>
+            </a:solidFill>
+          </a:ln>
+        </p:spPr>
+        <p:style>
+          <a:lnRef idx="2">
+            <a:schemeClr val="accent1">
+              <a:shade val="50000"/>
+            </a:schemeClr>
+          </a:lnRef>
+          <a:fillRef idx="1">
+            <a:schemeClr val="accent1"/>
+          </a:fillRef>
+          <a:effectRef idx="0">
+            <a:schemeClr val="accent1"/>
+          </a:effectRef>
+          <a:fontRef idx="minor">
+            <a:schemeClr val="lt1"/>
+          </a:fontRef>
+        </p:style>
+        <p:txBody>
+          <a:bodyPr rtlCol="0" anchor="ctr"/>
+          <a:lstStyle/>
+          <a:p>
+            <a:pPr algn="ctr"/>
+            <a:endParaRPr lang="en-IN"/>
+          </a:p>
+        </p:txBody>
+      </p:sp>
+      <p:sp>
+        <p:nvSpPr>
+          <p:cNvPr id="8" name="Rectangle 7">
+            <a:extLst>
+              <a:ext uri="{FF2B5EF4-FFF2-40B4-BE49-F238E27FC236}">
+                <a16:creationId xmlns:a16="http://schemas.microsoft.com/office/drawing/2014/main" id="{F63CD6CE-0D62-4173-8DC1-29CDA47A867B}"/>
+              </a:ext>
+            </a:extLst>
+          </p:cNvPr>
+          <p:cNvSpPr/>
+          <p:nvPr/>
+        </p:nvSpPr>
+        <p:spPr>
+          <a:xfrm>
+            <a:off x="1984442" y="3095018"/>
+            <a:ext cx="856035" cy="204281"/>
+          </a:xfrm>
+          <a:prstGeom prst="rect">
+            <a:avLst/>
+          </a:prstGeom>
+          <a:noFill/>
+          <a:ln w="25400">
+            <a:solidFill>
+              <a:srgbClr val="FF0000"/>
+            </a:solidFill>
+          </a:ln>
+        </p:spPr>
+        <p:style>
+          <a:lnRef idx="2">
+            <a:schemeClr val="accent1">
+              <a:shade val="50000"/>
+            </a:schemeClr>
+          </a:lnRef>
+          <a:fillRef idx="1">
+            <a:schemeClr val="accent1"/>
+          </a:fillRef>
+          <a:effectRef idx="0">
+            <a:schemeClr val="accent1"/>
+          </a:effectRef>
+          <a:fontRef idx="minor">
+            <a:schemeClr val="lt1"/>
+          </a:fontRef>
+        </p:style>
+        <p:txBody>
+          <a:bodyPr rtlCol="0" anchor="ctr"/>
+          <a:lstStyle/>
+          <a:p>
+            <a:pPr algn="ctr"/>
+            <a:endParaRPr lang="en-IN"/>
+          </a:p>
+        </p:txBody>
+      </p:sp>
+      <p:sp>
+        <p:nvSpPr>
+          <p:cNvPr id="9" name="Rectangle 8">
+            <a:extLst>
+              <a:ext uri="{FF2B5EF4-FFF2-40B4-BE49-F238E27FC236}">
+                <a16:creationId xmlns:a16="http://schemas.microsoft.com/office/drawing/2014/main" id="{4AD87902-BAD4-456B-A4AB-DD94AFAD0E3E}"/>
+              </a:ext>
+            </a:extLst>
+          </p:cNvPr>
+          <p:cNvSpPr/>
+          <p:nvPr/>
+        </p:nvSpPr>
+        <p:spPr>
+          <a:xfrm>
+            <a:off x="1911761" y="3783249"/>
+            <a:ext cx="1288639" cy="282913"/>
+          </a:xfrm>
+          <a:prstGeom prst="rect">
+            <a:avLst/>
+          </a:prstGeom>
+          <a:noFill/>
+          <a:ln w="25400">
+            <a:solidFill>
+              <a:srgbClr val="FF0000"/>
+            </a:solidFill>
+          </a:ln>
+        </p:spPr>
+        <p:style>
+          <a:lnRef idx="2">
+            <a:schemeClr val="accent1">
+              <a:shade val="50000"/>
+            </a:schemeClr>
+          </a:lnRef>
+          <a:fillRef idx="1">
+            <a:schemeClr val="accent1"/>
+          </a:fillRef>
+          <a:effectRef idx="0">
+            <a:schemeClr val="accent1"/>
+          </a:effectRef>
+          <a:fontRef idx="minor">
+            <a:schemeClr val="lt1"/>
+          </a:fontRef>
+        </p:style>
+        <p:txBody>
+          <a:bodyPr rtlCol="0" anchor="ctr"/>
+          <a:lstStyle/>
+          <a:p>
+            <a:pPr algn="ctr"/>
+            <a:endParaRPr lang="en-IN"/>
+          </a:p>
+        </p:txBody>
+      </p:sp>
+    </p:spTree>
+    <p:extLst>
+      <p:ext uri="{BB962C8B-B14F-4D97-AF65-F5344CB8AC3E}">
+        <p14:creationId xmlns:p14="http://schemas.microsoft.com/office/powerpoint/2010/main" val="1910177129"/>
+      </p:ext>
+    </p:extLst>
+  </p:cSld>
+  <p:clrMapOvr>
+    <a:masterClrMapping/>
+  </p:clrMapOvr>
+</p:sld>
+</file>
+
+<file path=ppt/slides/slide4.xml><?xml version="1.0" encoding="utf-8"?>
+<p:sld xmlns:a="http://schemas.openxmlformats.org/drawingml/2006/main" xmlns:r="http://schemas.openxmlformats.org/officeDocument/2006/relationships" xmlns:p="http://schemas.openxmlformats.org/presentationml/2006/main">
+  <p:cSld>
+    <p:spTree>
+      <p:nvGrpSpPr>
+        <p:cNvPr id="1" name=""/>
+        <p:cNvGrpSpPr/>
+        <p:nvPr/>
+      </p:nvGrpSpPr>
+      <p:grpSpPr>
+        <a:xfrm>
+          <a:off x="0" y="0"/>
+          <a:ext cx="0" cy="0"/>
+          <a:chOff x="0" y="0"/>
+          <a:chExt cx="0" cy="0"/>
+        </a:xfrm>
+      </p:grpSpPr>
+      <p:pic>
+        <p:nvPicPr>
+          <p:cNvPr id="3" name="Picture 2">
+            <a:extLst>
+              <a:ext uri="{FF2B5EF4-FFF2-40B4-BE49-F238E27FC236}">
+                <a16:creationId xmlns:a16="http://schemas.microsoft.com/office/drawing/2014/main" id="{4798991B-A993-4BDB-9B94-A66D27311989}"/>
+              </a:ext>
+            </a:extLst>
+          </p:cNvPr>
+          <p:cNvPicPr>
+            <a:picLocks noChangeAspect="1"/>
+          </p:cNvPicPr>
+          <p:nvPr/>
+        </p:nvPicPr>
+        <p:blipFill rotWithShape="1">
+          <a:blip r:embed="rId2"/>
+          <a:srcRect l="21661" t="37589" r="12382" b="18439"/>
+          <a:stretch/>
+        </p:blipFill>
+        <p:spPr>
+          <a:xfrm>
+            <a:off x="223735" y="233464"/>
+            <a:ext cx="9679022" cy="4032924"/>
+          </a:xfrm>
+          <a:prstGeom prst="rect">
+            <a:avLst/>
+          </a:prstGeom>
+          <a:ln w="15875">
+            <a:solidFill>
+              <a:schemeClr val="tx1"/>
+            </a:solidFill>
+          </a:ln>
+        </p:spPr>
+      </p:pic>
+      <p:sp>
+        <p:nvSpPr>
+          <p:cNvPr id="4" name="Rectangle 3">
+            <a:extLst>
+              <a:ext uri="{FF2B5EF4-FFF2-40B4-BE49-F238E27FC236}">
+                <a16:creationId xmlns:a16="http://schemas.microsoft.com/office/drawing/2014/main" id="{23B0469C-AB45-4C16-9F1E-9F2B666F27AA}"/>
+              </a:ext>
+            </a:extLst>
+          </p:cNvPr>
+          <p:cNvSpPr/>
+          <p:nvPr/>
+        </p:nvSpPr>
+        <p:spPr>
+          <a:xfrm>
+            <a:off x="3463046" y="977630"/>
+            <a:ext cx="554477" cy="851170"/>
+          </a:xfrm>
+          <a:prstGeom prst="rect">
+            <a:avLst/>
+          </a:prstGeom>
+          <a:noFill/>
+          <a:ln w="25400">
+            <a:solidFill>
+              <a:srgbClr val="FF0000"/>
+            </a:solidFill>
+          </a:ln>
+        </p:spPr>
+        <p:style>
+          <a:lnRef idx="2">
+            <a:schemeClr val="accent1">
+              <a:shade val="50000"/>
+            </a:schemeClr>
+          </a:lnRef>
+          <a:fillRef idx="1">
+            <a:schemeClr val="accent1"/>
+          </a:fillRef>
+          <a:effectRef idx="0">
+            <a:schemeClr val="accent1"/>
+          </a:effectRef>
+          <a:fontRef idx="minor">
+            <a:schemeClr val="lt1"/>
+          </a:fontRef>
+        </p:style>
+        <p:txBody>
+          <a:bodyPr rtlCol="0" anchor="ctr"/>
+          <a:lstStyle/>
+          <a:p>
+            <a:pPr algn="ctr"/>
+            <a:endParaRPr lang="en-IN"/>
+          </a:p>
+        </p:txBody>
+      </p:sp>
+      <p:sp>
+        <p:nvSpPr>
+          <p:cNvPr id="5" name="Rectangle 4">
+            <a:extLst>
+              <a:ext uri="{FF2B5EF4-FFF2-40B4-BE49-F238E27FC236}">
+                <a16:creationId xmlns:a16="http://schemas.microsoft.com/office/drawing/2014/main" id="{79CE4498-BB74-47BC-ACE7-944939F85B7F}"/>
+              </a:ext>
+            </a:extLst>
+          </p:cNvPr>
+          <p:cNvSpPr/>
+          <p:nvPr/>
+        </p:nvSpPr>
+        <p:spPr>
+          <a:xfrm>
+            <a:off x="3453318" y="3711103"/>
+            <a:ext cx="554477" cy="218871"/>
+          </a:xfrm>
+          <a:prstGeom prst="rect">
+            <a:avLst/>
+          </a:prstGeom>
+          <a:noFill/>
+          <a:ln w="25400">
+            <a:solidFill>
+              <a:srgbClr val="FF0000"/>
+            </a:solidFill>
+          </a:ln>
+        </p:spPr>
+        <p:style>
+          <a:lnRef idx="2">
+            <a:schemeClr val="accent1">
+              <a:shade val="50000"/>
+            </a:schemeClr>
+          </a:lnRef>
+          <a:fillRef idx="1">
+            <a:schemeClr val="accent1"/>
+          </a:fillRef>
+          <a:effectRef idx="0">
+            <a:schemeClr val="accent1"/>
+          </a:effectRef>
+          <a:fontRef idx="minor">
+            <a:schemeClr val="lt1"/>
+          </a:fontRef>
+        </p:style>
+        <p:txBody>
+          <a:bodyPr rtlCol="0" anchor="ctr"/>
+          <a:lstStyle/>
+          <a:p>
+            <a:pPr algn="ctr"/>
+            <a:endParaRPr lang="en-IN"/>
+          </a:p>
+        </p:txBody>
+      </p:sp>
+    </p:spTree>
+    <p:extLst>
+      <p:ext uri="{BB962C8B-B14F-4D97-AF65-F5344CB8AC3E}">
+        <p14:creationId xmlns:p14="http://schemas.microsoft.com/office/powerpoint/2010/main" val="1786212609"/>
+      </p:ext>
+    </p:extLst>
+  </p:cSld>
+  <p:clrMapOvr>
+    <a:masterClrMapping/>
+  </p:clrMapOvr>
+</p:sld>
+</file>
+
+<file path=ppt/slides/slide5.xml><?xml version="1.0" encoding="utf-8"?>
+<p:sld xmlns:a="http://schemas.openxmlformats.org/drawingml/2006/main" xmlns:r="http://schemas.openxmlformats.org/officeDocument/2006/relationships" xmlns:p="http://schemas.openxmlformats.org/presentationml/2006/main">
+  <p:cSld>
+    <p:spTree>
+      <p:nvGrpSpPr>
+        <p:cNvPr id="1" name=""/>
+        <p:cNvGrpSpPr/>
+        <p:nvPr/>
+      </p:nvGrpSpPr>
+      <p:grpSpPr>
+        <a:xfrm>
+          <a:off x="0" y="0"/>
+          <a:ext cx="0" cy="0"/>
+          <a:chOff x="0" y="0"/>
+          <a:chExt cx="0" cy="0"/>
+        </a:xfrm>
+      </p:grpSpPr>
+      <p:pic>
+        <p:nvPicPr>
+          <p:cNvPr id="3" name="Picture 2">
+            <a:extLst>
+              <a:ext uri="{FF2B5EF4-FFF2-40B4-BE49-F238E27FC236}">
+                <a16:creationId xmlns:a16="http://schemas.microsoft.com/office/drawing/2014/main" id="{F5969767-D24F-475B-8ADB-3168EE8DFFAC}"/>
+              </a:ext>
+            </a:extLst>
+          </p:cNvPr>
+          <p:cNvPicPr>
+            <a:picLocks noChangeAspect="1"/>
+          </p:cNvPicPr>
+          <p:nvPr/>
+        </p:nvPicPr>
+        <p:blipFill rotWithShape="1">
+          <a:blip r:embed="rId2"/>
+          <a:srcRect l="21040" t="19007" r="14865" b="45390"/>
+          <a:stretch/>
+        </p:blipFill>
+        <p:spPr>
+          <a:xfrm>
+            <a:off x="175099" y="194554"/>
+            <a:ext cx="9572016" cy="3323066"/>
+          </a:xfrm>
+          <a:prstGeom prst="rect">
+            <a:avLst/>
+          </a:prstGeom>
+          <a:ln w="15875">
+            <a:solidFill>
+              <a:schemeClr val="tx1"/>
+            </a:solidFill>
+          </a:ln>
+        </p:spPr>
+      </p:pic>
+      <p:sp>
+        <p:nvSpPr>
+          <p:cNvPr id="4" name="Rectangle 3">
+            <a:extLst>
+              <a:ext uri="{FF2B5EF4-FFF2-40B4-BE49-F238E27FC236}">
+                <a16:creationId xmlns:a16="http://schemas.microsoft.com/office/drawing/2014/main" id="{D26DC111-747E-4296-98A4-6A2B3F8146B7}"/>
+              </a:ext>
+            </a:extLst>
+          </p:cNvPr>
+          <p:cNvSpPr/>
+          <p:nvPr/>
+        </p:nvSpPr>
+        <p:spPr>
+          <a:xfrm>
+            <a:off x="1809344" y="2339502"/>
+            <a:ext cx="1342418" cy="296694"/>
+          </a:xfrm>
+          <a:prstGeom prst="rect">
+            <a:avLst/>
+          </a:prstGeom>
+          <a:noFill/>
+          <a:ln w="25400">
+            <a:solidFill>
+              <a:srgbClr val="FF0000"/>
+            </a:solidFill>
+          </a:ln>
+        </p:spPr>
+        <p:style>
+          <a:lnRef idx="2">
+            <a:schemeClr val="accent1">
+              <a:shade val="50000"/>
+            </a:schemeClr>
+          </a:lnRef>
+          <a:fillRef idx="1">
+            <a:schemeClr val="accent1"/>
+          </a:fillRef>
+          <a:effectRef idx="0">
+            <a:schemeClr val="accent1"/>
+          </a:effectRef>
+          <a:fontRef idx="minor">
+            <a:schemeClr val="lt1"/>
+          </a:fontRef>
+        </p:style>
+        <p:txBody>
+          <a:bodyPr rtlCol="0" anchor="ctr"/>
+          <a:lstStyle/>
+          <a:p>
+            <a:pPr algn="ctr"/>
+            <a:endParaRPr lang="en-IN"/>
+          </a:p>
+        </p:txBody>
+      </p:sp>
+    </p:spTree>
+    <p:extLst>
+      <p:ext uri="{BB962C8B-B14F-4D97-AF65-F5344CB8AC3E}">
+        <p14:creationId xmlns:p14="http://schemas.microsoft.com/office/powerpoint/2010/main" val="2484642110"/>
+      </p:ext>
+    </p:extLst>
+  </p:cSld>
+  <p:clrMapOvr>
+    <a:masterClrMapping/>
+  </p:clrMapOvr>
+</p:sld>
+</file>
+
+<file path=ppt/slides/slide6.xml><?xml version="1.0" encoding="utf-8"?>
+<p:sld xmlns:a="http://schemas.openxmlformats.org/drawingml/2006/main" xmlns:r="http://schemas.openxmlformats.org/officeDocument/2006/relationships" xmlns:p="http://schemas.openxmlformats.org/presentationml/2006/main">
+  <p:cSld>
+    <p:spTree>
+      <p:nvGrpSpPr>
+        <p:cNvPr id="1" name=""/>
+        <p:cNvGrpSpPr/>
+        <p:nvPr/>
+      </p:nvGrpSpPr>
+      <p:grpSpPr>
+        <a:xfrm>
+          <a:off x="0" y="0"/>
+          <a:ext cx="0" cy="0"/>
+          <a:chOff x="0" y="0"/>
+          <a:chExt cx="0" cy="0"/>
+        </a:xfrm>
+      </p:grpSpPr>
+      <p:pic>
+        <p:nvPicPr>
+          <p:cNvPr id="3" name="Picture 2">
+            <a:extLst>
+              <a:ext uri="{FF2B5EF4-FFF2-40B4-BE49-F238E27FC236}">
+                <a16:creationId xmlns:a16="http://schemas.microsoft.com/office/drawing/2014/main" id="{85BBCC9B-986F-484D-998C-8FF0F99F8CB9}"/>
+              </a:ext>
+            </a:extLst>
+          </p:cNvPr>
+          <p:cNvPicPr>
+            <a:picLocks noChangeAspect="1"/>
+          </p:cNvPicPr>
+          <p:nvPr/>
+        </p:nvPicPr>
+        <p:blipFill rotWithShape="1">
+          <a:blip r:embed="rId2"/>
+          <a:srcRect l="21890" t="37246" r="12621" b="18261"/>
+          <a:stretch/>
+        </p:blipFill>
+        <p:spPr>
+          <a:xfrm>
+            <a:off x="238540" y="238539"/>
+            <a:ext cx="9751766" cy="4140792"/>
+          </a:xfrm>
+          <a:prstGeom prst="rect">
+            <a:avLst/>
+          </a:prstGeom>
+          <a:ln w="15875">
+            <a:solidFill>
+              <a:schemeClr val="tx1"/>
+            </a:solidFill>
+          </a:ln>
+        </p:spPr>
+      </p:pic>
+      <p:sp>
+        <p:nvSpPr>
+          <p:cNvPr id="4" name="Rectangle 3">
+            <a:extLst>
+              <a:ext uri="{FF2B5EF4-FFF2-40B4-BE49-F238E27FC236}">
+                <a16:creationId xmlns:a16="http://schemas.microsoft.com/office/drawing/2014/main" id="{26207BBC-2C83-4429-A2E1-56AE9B03F13B}"/>
+              </a:ext>
+            </a:extLst>
+          </p:cNvPr>
+          <p:cNvSpPr/>
+          <p:nvPr/>
+        </p:nvSpPr>
+        <p:spPr>
+          <a:xfrm>
+            <a:off x="3482501" y="987358"/>
+            <a:ext cx="554477" cy="1240276"/>
+          </a:xfrm>
+          <a:prstGeom prst="rect">
+            <a:avLst/>
+          </a:prstGeom>
+          <a:noFill/>
+          <a:ln w="25400">
+            <a:solidFill>
+              <a:srgbClr val="FF0000"/>
+            </a:solidFill>
+          </a:ln>
+        </p:spPr>
+        <p:style>
+          <a:lnRef idx="2">
+            <a:schemeClr val="accent1">
+              <a:shade val="50000"/>
+            </a:schemeClr>
+          </a:lnRef>
+          <a:fillRef idx="1">
+            <a:schemeClr val="accent1"/>
+          </a:fillRef>
+          <a:effectRef idx="0">
+            <a:schemeClr val="accent1"/>
+          </a:effectRef>
+          <a:fontRef idx="minor">
+            <a:schemeClr val="lt1"/>
+          </a:fontRef>
+        </p:style>
+        <p:txBody>
+          <a:bodyPr rtlCol="0" anchor="ctr"/>
+          <a:lstStyle/>
+          <a:p>
+            <a:pPr algn="ctr"/>
+            <a:endParaRPr lang="en-IN"/>
+          </a:p>
+        </p:txBody>
+      </p:sp>
+    </p:spTree>
+    <p:extLst>
+      <p:ext uri="{BB962C8B-B14F-4D97-AF65-F5344CB8AC3E}">
+        <p14:creationId xmlns:p14="http://schemas.microsoft.com/office/powerpoint/2010/main" val="792733961"/>
+      </p:ext>
+    </p:extLst>
+  </p:cSld>
+  <p:clrMapOvr>
+    <a:masterClrMapping/>
+  </p:clrMapOvr>
+</p:sld>
+</file>
+
+<file path=ppt/slides/slide7.xml><?xml version="1.0" encoding="utf-8"?>
+<p:sld xmlns:a="http://schemas.openxmlformats.org/drawingml/2006/main" xmlns:r="http://schemas.openxmlformats.org/officeDocument/2006/relationships" xmlns:p="http://schemas.openxmlformats.org/presentationml/2006/main">
+  <p:cSld>
+    <p:spTree>
+      <p:nvGrpSpPr>
+        <p:cNvPr id="1" name=""/>
+        <p:cNvGrpSpPr/>
+        <p:nvPr/>
+      </p:nvGrpSpPr>
+      <p:grpSpPr>
+        <a:xfrm>
+          <a:off x="0" y="0"/>
+          <a:ext cx="0" cy="0"/>
+          <a:chOff x="0" y="0"/>
+          <a:chExt cx="0" cy="0"/>
+        </a:xfrm>
+      </p:grpSpPr>
+    </p:spTree>
+    <p:extLst>
+      <p:ext uri="{BB962C8B-B14F-4D97-AF65-F5344CB8AC3E}">
+        <p14:creationId xmlns:p14="http://schemas.microsoft.com/office/powerpoint/2010/main" val="2442565269"/>
       </p:ext>
     </p:extLst>
   </p:cSld>
